--- a/Row_Level_Security/JD_Row_Level_Security_2019.pptx
+++ b/Row_Level_Security/JD_Row_Level_Security_2019.pptx
@@ -9,7 +9,7 @@
   </p:notesMasterIdLst>
   <p:sldIdLst>
     <p:sldId id="531" r:id="rId2"/>
-    <p:sldId id="525" r:id="rId3"/>
+    <p:sldId id="11112" r:id="rId3"/>
     <p:sldId id="524" r:id="rId4"/>
     <p:sldId id="509" r:id="rId5"/>
     <p:sldId id="512" r:id="rId6"/>
@@ -11269,7 +11269,7 @@
           <a:p>
             <a:fld id="{CFBA6064-FDE0-48E8-9405-22609F48ED19}" type="datetimeFigureOut">
               <a:rPr lang="en-US" smtClean="0"/>
-              <a:t>10/7/2020</a:t>
+              <a:t>4/9/2021</a:t>
             </a:fld>
             <a:endParaRPr lang="en-US"/>
           </a:p>
@@ -11670,7 +11670,7 @@
     </p:spTree>
     <p:extLst>
       <p:ext uri="{BB962C8B-B14F-4D97-AF65-F5344CB8AC3E}">
-        <p14:creationId xmlns:p14="http://schemas.microsoft.com/office/powerpoint/2010/main" val="3024356599"/>
+        <p14:creationId xmlns:p14="http://schemas.microsoft.com/office/powerpoint/2010/main" val="3470079024"/>
       </p:ext>
     </p:extLst>
   </p:cSld>
@@ -12093,13 +12093,13 @@
   <p:clrMapOvr>
     <a:masterClrMapping/>
   </p:clrMapOvr>
-  <mc:AlternateContent xmlns:mc="http://schemas.openxmlformats.org/markup-compatibility/2006">
-    <mc:Choice xmlns:p14="http://schemas.microsoft.com/office/powerpoint/2010/main" Requires="p14">
+  <mc:AlternateContent xmlns:mc="http://schemas.openxmlformats.org/markup-compatibility/2006" xmlns:p14="http://schemas.microsoft.com/office/powerpoint/2010/main">
+    <mc:Choice Requires="p14">
       <p:transition spd="slow" p14:dur="3400">
         <p14:reveal/>
       </p:transition>
     </mc:Choice>
-    <mc:Fallback>
+    <mc:Fallback xmlns="">
       <p:transition spd="slow">
         <p:fade/>
       </p:transition>
@@ -12356,13 +12356,13 @@
   <p:clrMapOvr>
     <a:masterClrMapping/>
   </p:clrMapOvr>
-  <mc:AlternateContent xmlns:mc="http://schemas.openxmlformats.org/markup-compatibility/2006">
-    <mc:Choice xmlns:p14="http://schemas.microsoft.com/office/powerpoint/2010/main" Requires="p14">
+  <mc:AlternateContent xmlns:mc="http://schemas.openxmlformats.org/markup-compatibility/2006" xmlns:p14="http://schemas.microsoft.com/office/powerpoint/2010/main">
+    <mc:Choice Requires="p14">
       <p:transition spd="med" p14:dur="700">
         <p:fade/>
       </p:transition>
     </mc:Choice>
-    <mc:Fallback>
+    <mc:Fallback xmlns="">
       <p:transition spd="med">
         <p:fade/>
       </p:transition>
@@ -14926,53 +14926,6 @@
       </p:pic>
       <p:pic>
         <p:nvPicPr>
-          <p:cNvPr id="1028" name="Picture 4" descr="Image result for mct logo microsoft">
-            <a:extLst>
-              <a:ext uri="{FF2B5EF4-FFF2-40B4-BE49-F238E27FC236}">
-                <a16:creationId xmlns:a16="http://schemas.microsoft.com/office/drawing/2014/main" id="{C2C9CEA5-B428-4D62-B44C-540EA43C823C}"/>
-              </a:ext>
-            </a:extLst>
-          </p:cNvPr>
-          <p:cNvPicPr>
-            <a:picLocks noChangeAspect="1" noChangeArrowheads="1"/>
-          </p:cNvPicPr>
-          <p:nvPr/>
-        </p:nvPicPr>
-        <p:blipFill>
-          <a:blip r:embed="rId4" cstate="print">
-            <a:extLst>
-              <a:ext uri="{28A0092B-C50C-407E-A947-70E740481C1C}">
-                <a14:useLocalDpi xmlns:a14="http://schemas.microsoft.com/office/drawing/2010/main" val="0"/>
-              </a:ext>
-            </a:extLst>
-          </a:blip>
-          <a:srcRect/>
-          <a:stretch>
-            <a:fillRect/>
-          </a:stretch>
-        </p:blipFill>
-        <p:spPr bwMode="auto">
-          <a:xfrm>
-            <a:off x="2749036" y="5384894"/>
-            <a:ext cx="1893551" cy="1034740"/>
-          </a:xfrm>
-          <a:prstGeom prst="rect">
-            <a:avLst/>
-          </a:prstGeom>
-          <a:noFill/>
-          <a:extLst>
-            <a:ext uri="{909E8E84-426E-40DD-AFC4-6F175D3DCCD1}">
-              <a14:hiddenFill xmlns:a14="http://schemas.microsoft.com/office/drawing/2010/main">
-                <a:solidFill>
-                  <a:srgbClr val="FFFFFF"/>
-                </a:solidFill>
-              </a14:hiddenFill>
-            </a:ext>
-          </a:extLst>
-        </p:spPr>
-      </p:pic>
-      <p:pic>
-        <p:nvPicPr>
           <p:cNvPr id="13" name="Picture 12">
             <a:extLst>
               <a:ext uri="{FF2B5EF4-FFF2-40B4-BE49-F238E27FC236}">
@@ -14986,7 +14939,7 @@
           <p:nvPr/>
         </p:nvPicPr>
         <p:blipFill>
-          <a:blip r:embed="rId5">
+          <a:blip r:embed="rId4">
             <a:extLst>
               <a:ext uri="{28A0092B-C50C-407E-A947-70E740481C1C}">
                 <a14:useLocalDpi xmlns:a14="http://schemas.microsoft.com/office/drawing/2010/main" val="0"/>
@@ -14999,7 +14952,7 @@
         </p:blipFill>
         <p:spPr>
           <a:xfrm>
-            <a:off x="5081167" y="5187668"/>
+            <a:off x="4692377" y="5187668"/>
             <a:ext cx="1576068" cy="1576068"/>
           </a:xfrm>
           <a:prstGeom prst="rect">
@@ -15021,8 +14974,8 @@
         </p:nvSpPr>
         <p:spPr>
           <a:xfrm>
-            <a:off x="3895836" y="1897018"/>
-            <a:ext cx="7974384" cy="2431435"/>
+            <a:off x="3695811" y="1599016"/>
+            <a:ext cx="7974384" cy="3170099"/>
           </a:xfrm>
           <a:prstGeom prst="rect">
             <a:avLst/>
@@ -15035,75 +14988,291 @@
           </a:bodyPr>
           <a:lstStyle/>
           <a:p>
+            <a:pPr marL="0" marR="0" lvl="0" indent="0" algn="l" defTabSz="914400" rtl="0" eaLnBrk="1" fontAlgn="auto" latinLnBrk="0" hangingPunct="1">
+              <a:lnSpc>
+                <a:spcPct val="100000"/>
+              </a:lnSpc>
+              <a:spcBef>
+                <a:spcPts val="0"/>
+              </a:spcBef>
+              <a:spcAft>
+                <a:spcPts val="0"/>
+              </a:spcAft>
+              <a:buClrTx/>
+              <a:buSzTx/>
+              <a:buFontTx/>
+              <a:buNone/>
+              <a:tabLst/>
+              <a:defRPr/>
+            </a:pPr>
             <a:r>
-              <a:rPr lang="en-US" sz="3200" u="sng" dirty="0">
+              <a:rPr kumimoji="0" lang="en-US" sz="3200" b="0" i="0" u="sng" strike="noStrike" kern="1200" cap="none" spc="0" normalizeH="0" baseline="0" noProof="0" dirty="0">
+                <a:ln>
+                  <a:noFill/>
+                </a:ln>
                 <a:solidFill>
-                  <a:schemeClr val="bg1"/>
+                  <a:prstClr val="white"/>
                 </a:solidFill>
+                <a:effectLst/>
+                <a:uLnTx/>
+                <a:uFillTx/>
                 <a:latin typeface="Arial" panose="020B0604020202020204" pitchFamily="34" charset="0"/>
+                <a:ea typeface="+mn-ea"/>
                 <a:cs typeface="Arial" panose="020B0604020202020204" pitchFamily="34" charset="0"/>
               </a:rPr>
               <a:t>John Deardurff </a:t>
             </a:r>
           </a:p>
           <a:p>
+            <a:pPr marL="0" marR="0" lvl="0" indent="0" algn="l" defTabSz="914400" rtl="0" eaLnBrk="1" fontAlgn="auto" latinLnBrk="0" hangingPunct="1">
+              <a:lnSpc>
+                <a:spcPct val="100000"/>
+              </a:lnSpc>
+              <a:spcBef>
+                <a:spcPts val="0"/>
+              </a:spcBef>
+              <a:spcAft>
+                <a:spcPts val="0"/>
+              </a:spcAft>
+              <a:buClrTx/>
+              <a:buSzTx/>
+              <a:buFontTx/>
+              <a:buNone/>
+              <a:tabLst/>
+              <a:defRPr/>
+            </a:pPr>
             <a:r>
-              <a:rPr lang="en-US" sz="2400" dirty="0">
+              <a:rPr kumimoji="0" lang="en-US" sz="2400" b="0" i="0" u="none" strike="noStrike" kern="1200" cap="none" spc="0" normalizeH="0" baseline="0" noProof="0" dirty="0">
+                <a:ln>
+                  <a:noFill/>
+                </a:ln>
                 <a:solidFill>
-                  <a:schemeClr val="bg1"/>
+                  <a:prstClr val="white"/>
                 </a:solidFill>
+                <a:effectLst/>
+                <a:uLnTx/>
+                <a:uFillTx/>
                 <a:latin typeface="Arial" panose="020B0604020202020204" pitchFamily="34" charset="0"/>
+                <a:ea typeface="+mn-ea"/>
                 <a:cs typeface="Arial" panose="020B0604020202020204" pitchFamily="34" charset="0"/>
               </a:rPr>
-              <a:t>Customer Engineer (Global Technical Team)</a:t>
+              <a:t>Microsoft Customer Engineer (Global Technical Team)</a:t>
             </a:r>
           </a:p>
           <a:p>
+            <a:pPr marL="0" marR="0" lvl="0" indent="0" algn="l" defTabSz="914400" rtl="0" eaLnBrk="1" fontAlgn="auto" latinLnBrk="0" hangingPunct="1">
+              <a:lnSpc>
+                <a:spcPct val="100000"/>
+              </a:lnSpc>
+              <a:spcBef>
+                <a:spcPts val="0"/>
+              </a:spcBef>
+              <a:spcAft>
+                <a:spcPts val="0"/>
+              </a:spcAft>
+              <a:buClrTx/>
+              <a:buSzTx/>
+              <a:buFontTx/>
+              <a:buNone/>
+              <a:tabLst/>
+              <a:defRPr/>
+            </a:pPr>
             <a:r>
-              <a:rPr lang="en-US" sz="2400" dirty="0">
+              <a:rPr kumimoji="0" lang="en-US" sz="2400" b="0" i="0" u="none" strike="noStrike" kern="1200" cap="none" spc="0" normalizeH="0" baseline="0" noProof="0" dirty="0">
+                <a:ln>
+                  <a:noFill/>
+                </a:ln>
                 <a:solidFill>
-                  <a:schemeClr val="bg1"/>
+                  <a:prstClr val="white"/>
                 </a:solidFill>
+                <a:effectLst/>
+                <a:uLnTx/>
+                <a:uFillTx/>
                 <a:latin typeface="Arial" panose="020B0604020202020204" pitchFamily="34" charset="0"/>
+                <a:ea typeface="+mn-ea"/>
                 <a:cs typeface="Arial" panose="020B0604020202020204" pitchFamily="34" charset="0"/>
               </a:rPr>
               <a:t>Microsoft Certified Trainer (Regional Lead)</a:t>
             </a:r>
           </a:p>
           <a:p>
+            <a:pPr marL="0" marR="0" lvl="0" indent="0" algn="l" defTabSz="914400" rtl="0" eaLnBrk="1" fontAlgn="auto" latinLnBrk="0" hangingPunct="1">
+              <a:lnSpc>
+                <a:spcPct val="100000"/>
+              </a:lnSpc>
+              <a:spcBef>
+                <a:spcPts val="0"/>
+              </a:spcBef>
+              <a:spcAft>
+                <a:spcPts val="0"/>
+              </a:spcAft>
+              <a:buClrTx/>
+              <a:buSzTx/>
+              <a:buFontTx/>
+              <a:buNone/>
+              <a:tabLst/>
+              <a:defRPr/>
+            </a:pPr>
             <a:r>
-              <a:rPr lang="en-US" sz="2400" dirty="0">
+              <a:rPr kumimoji="0" lang="en-US" sz="2400" b="0" i="0" u="none" strike="noStrike" kern="1200" cap="none" spc="0" normalizeH="0" baseline="0" noProof="0" dirty="0">
+                <a:ln>
+                  <a:noFill/>
+                </a:ln>
                 <a:solidFill>
-                  <a:schemeClr val="bg1"/>
+                  <a:prstClr val="white"/>
                 </a:solidFill>
+                <a:effectLst/>
+                <a:uLnTx/>
+                <a:uFillTx/>
                 <a:latin typeface="Arial" panose="020B0604020202020204" pitchFamily="34" charset="0"/>
+                <a:ea typeface="+mn-ea"/>
                 <a:cs typeface="Arial" panose="020B0604020202020204" pitchFamily="34" charset="0"/>
               </a:rPr>
               <a:t>MVP: Data Platform (2016 – 2018)</a:t>
             </a:r>
           </a:p>
           <a:p>
+            <a:pPr marL="0" marR="0" lvl="0" indent="0" algn="l" defTabSz="914400" rtl="0" eaLnBrk="1" fontAlgn="auto" latinLnBrk="0" hangingPunct="1">
+              <a:lnSpc>
+                <a:spcPct val="100000"/>
+              </a:lnSpc>
+              <a:spcBef>
+                <a:spcPts val="0"/>
+              </a:spcBef>
+              <a:spcAft>
+                <a:spcPts val="0"/>
+              </a:spcAft>
+              <a:buClrTx/>
+              <a:buSzTx/>
+              <a:buFontTx/>
+              <a:buNone/>
+              <a:tabLst/>
+              <a:defRPr/>
+            </a:pPr>
             <a:r>
-              <a:rPr lang="en-US" sz="2400" dirty="0">
+              <a:rPr kumimoji="0" lang="en-US" sz="2400" b="0" i="0" u="none" strike="noStrike" kern="1200" cap="none" spc="0" normalizeH="0" baseline="0" noProof="0" dirty="0">
+                <a:ln>
+                  <a:noFill/>
+                </a:ln>
                 <a:solidFill>
-                  <a:schemeClr val="bg1"/>
+                  <a:prstClr val="white"/>
                 </a:solidFill>
+                <a:effectLst/>
+                <a:uLnTx/>
+                <a:uFillTx/>
                 <a:latin typeface="Arial" panose="020B0604020202020204" pitchFamily="34" charset="0"/>
+                <a:ea typeface="+mn-ea"/>
+                <a:cs typeface="Arial" panose="020B0604020202020204" pitchFamily="34" charset="0"/>
+              </a:rPr>
+              <a:t>Email: John.Deardurff@Microsoft.com</a:t>
+            </a:r>
+          </a:p>
+          <a:p>
+            <a:pPr marL="0" marR="0" lvl="0" indent="0" algn="l" defTabSz="914400" rtl="0" eaLnBrk="1" fontAlgn="auto" latinLnBrk="0" hangingPunct="1">
+              <a:lnSpc>
+                <a:spcPct val="100000"/>
+              </a:lnSpc>
+              <a:spcBef>
+                <a:spcPts val="0"/>
+              </a:spcBef>
+              <a:spcAft>
+                <a:spcPts val="0"/>
+              </a:spcAft>
+              <a:buClrTx/>
+              <a:buSzTx/>
+              <a:buFontTx/>
+              <a:buNone/>
+              <a:tabLst/>
+              <a:defRPr/>
+            </a:pPr>
+            <a:r>
+              <a:rPr kumimoji="0" lang="en-US" sz="2400" b="0" i="0" u="none" strike="noStrike" kern="1200" cap="none" spc="0" normalizeH="0" baseline="0" noProof="0" dirty="0">
+                <a:ln>
+                  <a:noFill/>
+                </a:ln>
+                <a:solidFill>
+                  <a:prstClr val="white"/>
+                </a:solidFill>
+                <a:effectLst/>
+                <a:uLnTx/>
+                <a:uFillTx/>
+                <a:latin typeface="Arial" panose="020B0604020202020204" pitchFamily="34" charset="0"/>
+                <a:ea typeface="+mn-ea"/>
                 <a:cs typeface="Arial" panose="020B0604020202020204" pitchFamily="34" charset="0"/>
               </a:rPr>
               <a:t>Twitter: @SQLMCT</a:t>
             </a:r>
           </a:p>
           <a:p>
+            <a:pPr marL="0" marR="0" lvl="0" indent="0" algn="l" defTabSz="914400" rtl="0" eaLnBrk="1" fontAlgn="auto" latinLnBrk="0" hangingPunct="1">
+              <a:lnSpc>
+                <a:spcPct val="100000"/>
+              </a:lnSpc>
+              <a:spcBef>
+                <a:spcPts val="0"/>
+              </a:spcBef>
+              <a:spcAft>
+                <a:spcPts val="0"/>
+              </a:spcAft>
+              <a:buClrTx/>
+              <a:buSzTx/>
+              <a:buFontTx/>
+              <a:buNone/>
+              <a:tabLst/>
+              <a:defRPr/>
+            </a:pPr>
             <a:r>
-              <a:rPr lang="en-US" sz="2400" dirty="0">
+              <a:rPr kumimoji="0" lang="en-US" sz="2400" b="0" i="0" u="none" strike="noStrike" kern="1200" cap="none" spc="0" normalizeH="0" baseline="0" noProof="0" dirty="0">
+                <a:ln>
+                  <a:noFill/>
+                </a:ln>
                 <a:solidFill>
-                  <a:schemeClr val="bg1"/>
+                  <a:prstClr val="white"/>
                 </a:solidFill>
+                <a:effectLst/>
+                <a:uLnTx/>
+                <a:uFillTx/>
                 <a:latin typeface="Arial" panose="020B0604020202020204" pitchFamily="34" charset="0"/>
+                <a:ea typeface="+mn-ea"/>
                 <a:cs typeface="Arial" panose="020B0604020202020204" pitchFamily="34" charset="0"/>
               </a:rPr>
               <a:t>Website: www.SQLMCT.com</a:t>
+            </a:r>
+          </a:p>
+          <a:p>
+            <a:pPr marL="0" marR="0" lvl="0" indent="0" algn="l" defTabSz="914400" rtl="0" eaLnBrk="1" fontAlgn="auto" latinLnBrk="0" hangingPunct="1">
+              <a:lnSpc>
+                <a:spcPct val="100000"/>
+              </a:lnSpc>
+              <a:spcBef>
+                <a:spcPts val="0"/>
+              </a:spcBef>
+              <a:spcAft>
+                <a:spcPts val="0"/>
+              </a:spcAft>
+              <a:buClrTx/>
+              <a:buSzTx/>
+              <a:buFontTx/>
+              <a:buNone/>
+              <a:tabLst/>
+              <a:defRPr/>
+            </a:pPr>
+            <a:r>
+              <a:rPr kumimoji="0" lang="en-US" sz="2400" b="0" i="0" u="none" strike="noStrike" kern="1200" cap="none" spc="0" normalizeH="0" baseline="0" noProof="0" dirty="0">
+                <a:ln>
+                  <a:noFill/>
+                </a:ln>
+                <a:solidFill>
+                  <a:prstClr val="white"/>
+                </a:solidFill>
+                <a:effectLst/>
+                <a:uLnTx/>
+                <a:uFillTx/>
+                <a:latin typeface="Arial" panose="020B0604020202020204" pitchFamily="34" charset="0"/>
+                <a:ea typeface="+mn-ea"/>
+                <a:cs typeface="Arial" panose="020B0604020202020204" pitchFamily="34" charset="0"/>
+              </a:rPr>
+              <a:t>GitHub: github.com\SQLMCT</a:t>
             </a:r>
           </a:p>
         </p:txBody>
@@ -15123,7 +15292,7 @@
           <p:nvPr/>
         </p:nvPicPr>
         <p:blipFill>
-          <a:blip r:embed="rId6">
+          <a:blip r:embed="rId5">
             <a:extLst>
               <a:ext uri="{28A0092B-C50C-407E-A947-70E740481C1C}">
                 <a14:useLocalDpi xmlns:a14="http://schemas.microsoft.com/office/drawing/2010/main" val="0"/>
@@ -15177,7 +15346,7 @@
           <p:nvPr/>
         </p:nvPicPr>
         <p:blipFill>
-          <a:blip r:embed="rId7">
+          <a:blip r:embed="rId6">
             <a:extLst>
               <a:ext uri="{28A0092B-C50C-407E-A947-70E740481C1C}">
                 <a14:useLocalDpi xmlns:a14="http://schemas.microsoft.com/office/drawing/2010/main" val="0"/>
@@ -15191,54 +15360,7 @@
         </p:blipFill>
         <p:spPr bwMode="auto">
           <a:xfrm>
-            <a:off x="8395328" y="5187668"/>
-            <a:ext cx="1576068" cy="1576068"/>
-          </a:xfrm>
-          <a:prstGeom prst="rect">
-            <a:avLst/>
-          </a:prstGeom>
-          <a:noFill/>
-          <a:extLst>
-            <a:ext uri="{909E8E84-426E-40DD-AFC4-6F175D3DCCD1}">
-              <a14:hiddenFill xmlns:a14="http://schemas.microsoft.com/office/drawing/2010/main">
-                <a:solidFill>
-                  <a:srgbClr val="FFFFFF"/>
-                </a:solidFill>
-              </a14:hiddenFill>
-            </a:ext>
-          </a:extLst>
-        </p:spPr>
-      </p:pic>
-      <p:pic>
-        <p:nvPicPr>
-          <p:cNvPr id="2050" name="Picture 2">
-            <a:extLst>
-              <a:ext uri="{FF2B5EF4-FFF2-40B4-BE49-F238E27FC236}">
-                <a16:creationId xmlns:a16="http://schemas.microsoft.com/office/drawing/2014/main" id="{092CA7DD-2E11-4BC0-9805-1756F9E5E589}"/>
-              </a:ext>
-            </a:extLst>
-          </p:cNvPr>
-          <p:cNvPicPr>
-            <a:picLocks noChangeAspect="1" noChangeArrowheads="1"/>
-          </p:cNvPicPr>
-          <p:nvPr/>
-        </p:nvPicPr>
-        <p:blipFill>
-          <a:blip r:embed="rId8">
-            <a:extLst>
-              <a:ext uri="{28A0092B-C50C-407E-A947-70E740481C1C}">
-                <a14:useLocalDpi xmlns:a14="http://schemas.microsoft.com/office/drawing/2010/main" val="0"/>
-              </a:ext>
-            </a:extLst>
-          </a:blip>
-          <a:srcRect/>
-          <a:stretch>
-            <a:fillRect/>
-          </a:stretch>
-        </p:blipFill>
-        <p:spPr bwMode="auto">
-          <a:xfrm>
-            <a:off x="6781110" y="5187668"/>
+            <a:off x="6608991" y="5179325"/>
             <a:ext cx="1576068" cy="1576068"/>
           </a:xfrm>
           <a:prstGeom prst="rect">
@@ -15271,6 +15393,100 @@
           <p:nvPr/>
         </p:nvPicPr>
         <p:blipFill>
+          <a:blip r:embed="rId7">
+            <a:extLst>
+              <a:ext uri="{28A0092B-C50C-407E-A947-70E740481C1C}">
+                <a14:useLocalDpi xmlns:a14="http://schemas.microsoft.com/office/drawing/2010/main" val="0"/>
+              </a:ext>
+            </a:extLst>
+          </a:blip>
+          <a:srcRect/>
+          <a:stretch>
+            <a:fillRect/>
+          </a:stretch>
+        </p:blipFill>
+        <p:spPr bwMode="auto">
+          <a:xfrm>
+            <a:off x="10442219" y="5187668"/>
+            <a:ext cx="1576068" cy="1576068"/>
+          </a:xfrm>
+          <a:prstGeom prst="rect">
+            <a:avLst/>
+          </a:prstGeom>
+          <a:noFill/>
+          <a:extLst>
+            <a:ext uri="{909E8E84-426E-40DD-AFC4-6F175D3DCCD1}">
+              <a14:hiddenFill xmlns:a14="http://schemas.microsoft.com/office/drawing/2010/main">
+                <a:solidFill>
+                  <a:srgbClr val="FFFFFF"/>
+                </a:solidFill>
+              </a14:hiddenFill>
+            </a:ext>
+          </a:extLst>
+        </p:spPr>
+      </p:pic>
+      <p:pic>
+        <p:nvPicPr>
+          <p:cNvPr id="4" name="Picture 2">
+            <a:extLst>
+              <a:ext uri="{FF2B5EF4-FFF2-40B4-BE49-F238E27FC236}">
+                <a16:creationId xmlns:a16="http://schemas.microsoft.com/office/drawing/2014/main" id="{49E05C38-6E25-47B1-A21C-A0665965F602}"/>
+              </a:ext>
+            </a:extLst>
+          </p:cNvPr>
+          <p:cNvPicPr>
+            <a:picLocks noChangeAspect="1" noChangeArrowheads="1"/>
+          </p:cNvPicPr>
+          <p:nvPr/>
+        </p:nvPicPr>
+        <p:blipFill>
+          <a:blip r:embed="rId8">
+            <a:extLst>
+              <a:ext uri="{28A0092B-C50C-407E-A947-70E740481C1C}">
+                <a14:useLocalDpi xmlns:a14="http://schemas.microsoft.com/office/drawing/2010/main" val="0"/>
+              </a:ext>
+            </a:extLst>
+          </a:blip>
+          <a:srcRect/>
+          <a:stretch>
+            <a:fillRect/>
+          </a:stretch>
+        </p:blipFill>
+        <p:spPr bwMode="auto">
+          <a:xfrm>
+            <a:off x="8525605" y="5187668"/>
+            <a:ext cx="1576068" cy="1576068"/>
+          </a:xfrm>
+          <a:prstGeom prst="rect">
+            <a:avLst/>
+          </a:prstGeom>
+          <a:noFill/>
+          <a:extLst>
+            <a:ext uri="{909E8E84-426E-40DD-AFC4-6F175D3DCCD1}">
+              <a14:hiddenFill xmlns:a14="http://schemas.microsoft.com/office/drawing/2010/main">
+                <a:solidFill>
+                  <a:srgbClr val="FFFFFF"/>
+                </a:solidFill>
+              </a14:hiddenFill>
+            </a:ext>
+          </a:extLst>
+        </p:spPr>
+      </p:pic>
+      <p:pic>
+        <p:nvPicPr>
+          <p:cNvPr id="2050" name="Picture 2">
+            <a:extLst>
+              <a:ext uri="{FF2B5EF4-FFF2-40B4-BE49-F238E27FC236}">
+                <a16:creationId xmlns:a16="http://schemas.microsoft.com/office/drawing/2014/main" id="{567D70A4-BBFF-4866-A1EC-54FCAA0D07D3}"/>
+              </a:ext>
+            </a:extLst>
+          </p:cNvPr>
+          <p:cNvPicPr>
+            <a:picLocks noChangeAspect="1" noChangeArrowheads="1"/>
+          </p:cNvPicPr>
+          <p:nvPr/>
+        </p:nvPicPr>
+        <p:blipFill>
           <a:blip r:embed="rId9">
             <a:extLst>
               <a:ext uri="{28A0092B-C50C-407E-A947-70E740481C1C}">
@@ -15285,8 +15501,8 @@
         </p:blipFill>
         <p:spPr bwMode="auto">
           <a:xfrm>
-            <a:off x="9980971" y="5197193"/>
-            <a:ext cx="1576068" cy="1576068"/>
+            <a:off x="2731130" y="5166444"/>
+            <a:ext cx="1620701" cy="1620701"/>
           </a:xfrm>
           <a:prstGeom prst="rect">
             <a:avLst/>
@@ -15306,7 +15522,7 @@
     </p:spTree>
     <p:extLst>
       <p:ext uri="{BB962C8B-B14F-4D97-AF65-F5344CB8AC3E}">
-        <p14:creationId xmlns:p14="http://schemas.microsoft.com/office/powerpoint/2010/main" val="3944157988"/>
+        <p14:creationId xmlns:p14="http://schemas.microsoft.com/office/powerpoint/2010/main" val="2405206243"/>
       </p:ext>
     </p:extLst>
   </p:cSld>
@@ -18131,4 +18347,10 @@
     </a:ext>
   </a:extLst>
 </a:theme>
+</file>
+
+<file path=docMetadata/LabelInfo.xml><?xml version="1.0" encoding="utf-8"?>
+<clbl:labelList xmlns:clbl="http://schemas.microsoft.com/office/2020/mipLabelMetadata">
+  <clbl:label id="{f42aa342-8706-4288-bd11-ebb85995028c}" enabled="1" method="Privileged" siteId="{72f988bf-86f1-41af-91ab-2d7cd011db47}" removed="0"/>
+</clbl:labelList>
 </file>